--- a/npm.pptx
+++ b/npm.pptx
@@ -264,7 +264,7 @@
             <a:fld id="{A7B1724D-A50F-4C38-8BDE-920DAD4008EA}" type="datetimeFigureOut">
               <a:rPr lang="en-US" smtClean="0"/>
               <a:pPr/>
-              <a:t>1/5/2019</a:t>
+              <a:t>1/24/2019</a:t>
             </a:fld>
             <a:endParaRPr lang="en-US"/>
           </a:p>
@@ -6362,20 +6362,7 @@
                 <a:ea typeface="Tahoma" panose="020B0604030504040204" pitchFamily="34" charset="0"/>
                 <a:cs typeface="Tahoma" panose="020B0604030504040204" pitchFamily="34" charset="0"/>
               </a:rPr>
-              <a:t>npm </a:t>
-            </a:r>
-            <a:r>
-              <a:rPr lang="en-IN" sz="2000" dirty="0" smtClean="0">
-                <a:solidFill>
-                  <a:schemeClr val="accent5">
-                    <a:lumMod val="75000"/>
-                  </a:schemeClr>
-                </a:solidFill>
-                <a:latin typeface="Tahoma" panose="020B0604030504040204" pitchFamily="34" charset="0"/>
-                <a:ea typeface="Tahoma" panose="020B0604030504040204" pitchFamily="34" charset="0"/>
-                <a:cs typeface="Tahoma" panose="020B0604030504040204" pitchFamily="34" charset="0"/>
-              </a:rPr>
-              <a:t>uninstall  </a:t>
+              <a:t>npm uninstall  </a:t>
             </a:r>
             <a:r>
               <a:rPr lang="en-IN" sz="2000" dirty="0">
@@ -6613,20 +6600,7 @@
                 <a:ea typeface="Tahoma" panose="020B0604030504040204" pitchFamily="34" charset="0"/>
                 <a:cs typeface="Tahoma" panose="020B0604030504040204" pitchFamily="34" charset="0"/>
               </a:rPr>
-              <a:t>npm </a:t>
-            </a:r>
-            <a:r>
-              <a:rPr lang="en-IN" sz="2000" dirty="0" smtClean="0">
-                <a:solidFill>
-                  <a:schemeClr val="accent5">
-                    <a:lumMod val="75000"/>
-                  </a:schemeClr>
-                </a:solidFill>
-                <a:latin typeface="Tahoma" panose="020B0604030504040204" pitchFamily="34" charset="0"/>
-                <a:ea typeface="Tahoma" panose="020B0604030504040204" pitchFamily="34" charset="0"/>
-                <a:cs typeface="Tahoma" panose="020B0604030504040204" pitchFamily="34" charset="0"/>
-              </a:rPr>
-              <a:t>list –depth 2</a:t>
+              <a:t>npm list –depth 2</a:t>
             </a:r>
           </a:p>
           <a:p>
@@ -6672,20 +6646,7 @@
                 <a:ea typeface="Tahoma" panose="020B0604030504040204" pitchFamily="34" charset="0"/>
                 <a:cs typeface="Tahoma" panose="020B0604030504040204" pitchFamily="34" charset="0"/>
               </a:rPr>
-              <a:t>npm </a:t>
-            </a:r>
-            <a:r>
-              <a:rPr lang="en-IN" sz="2000" dirty="0" smtClean="0">
-                <a:solidFill>
-                  <a:schemeClr val="accent5">
-                    <a:lumMod val="75000"/>
-                  </a:schemeClr>
-                </a:solidFill>
-                <a:latin typeface="Tahoma" panose="020B0604030504040204" pitchFamily="34" charset="0"/>
-                <a:ea typeface="Tahoma" panose="020B0604030504040204" pitchFamily="34" charset="0"/>
-                <a:cs typeface="Tahoma" panose="020B0604030504040204" pitchFamily="34" charset="0"/>
-              </a:rPr>
-              <a:t>list –global true –depth 0</a:t>
+              <a:t>npm list –global true –depth 0</a:t>
             </a:r>
           </a:p>
         </p:txBody>
@@ -7567,20 +7528,7 @@
                 <a:ea typeface="Tahoma" panose="020B0604030504040204" pitchFamily="34" charset="0"/>
                 <a:cs typeface="Consolas" panose="020B0609020204030204" pitchFamily="49" charset="0"/>
               </a:rPr>
-              <a:t>C:\&gt; npm  </a:t>
-            </a:r>
-            <a:r>
-              <a:rPr lang="en-IN" sz="2000" dirty="0" smtClean="0">
-                <a:solidFill>
-                  <a:schemeClr val="accent5">
-                    <a:lumMod val="75000"/>
-                  </a:schemeClr>
-                </a:solidFill>
-                <a:latin typeface="Consolas" panose="020B0609020204030204" pitchFamily="49" charset="0"/>
-                <a:ea typeface="Tahoma" panose="020B0604030504040204" pitchFamily="34" charset="0"/>
-                <a:cs typeface="Consolas" panose="020B0609020204030204" pitchFamily="49" charset="0"/>
-              </a:rPr>
-              <a:t>--version  </a:t>
+              <a:t>C:\&gt; npm  --version  </a:t>
             </a:r>
             <a:endParaRPr lang="en-IN" sz="2000" dirty="0">
               <a:solidFill>
@@ -7766,7 +7714,7 @@
         <p:spPr>
           <a:xfrm>
             <a:off x="152400" y="1371600"/>
-            <a:ext cx="8839200" cy="2246769"/>
+            <a:ext cx="8839200" cy="2831544"/>
           </a:xfrm>
           <a:prstGeom prst="rect">
             <a:avLst/>
@@ -7778,6 +7726,346 @@
             <a:spAutoFit/>
           </a:bodyPr>
           <a:lstStyle/>
+          <a:p>
+            <a:r>
+              <a:rPr lang="en-IN" sz="2000" dirty="0" smtClean="0">
+                <a:solidFill>
+                  <a:schemeClr val="accent5">
+                    <a:lumMod val="75000"/>
+                  </a:schemeClr>
+                </a:solidFill>
+                <a:latin typeface="Segoe UI" panose="020B0502040204020203" pitchFamily="34" charset="0"/>
+                <a:ea typeface="Tahoma" panose="020B0604030504040204" pitchFamily="34" charset="0"/>
+                <a:cs typeface="Segoe UI" panose="020B0502040204020203" pitchFamily="34" charset="0"/>
+              </a:rPr>
+              <a:t>C</a:t>
+            </a:r>
+            <a:r>
+              <a:rPr lang="en-IN" sz="2000" dirty="0">
+                <a:solidFill>
+                  <a:schemeClr val="accent5">
+                    <a:lumMod val="75000"/>
+                  </a:schemeClr>
+                </a:solidFill>
+                <a:latin typeface="Segoe UI" panose="020B0502040204020203" pitchFamily="34" charset="0"/>
+                <a:ea typeface="Tahoma" panose="020B0604030504040204" pitchFamily="34" charset="0"/>
+                <a:cs typeface="Segoe UI" panose="020B0502040204020203" pitchFamily="34" charset="0"/>
+              </a:rPr>
+              <a:t>:\&gt; npm </a:t>
+            </a:r>
+            <a:r>
+              <a:rPr lang="en-IN" sz="2000" dirty="0" smtClean="0">
+                <a:solidFill>
+                  <a:schemeClr val="accent5">
+                    <a:lumMod val="75000"/>
+                  </a:schemeClr>
+                </a:solidFill>
+                <a:latin typeface="Segoe UI" panose="020B0502040204020203" pitchFamily="34" charset="0"/>
+                <a:ea typeface="Tahoma" panose="020B0604030504040204" pitchFamily="34" charset="0"/>
+                <a:cs typeface="Segoe UI" panose="020B0502040204020203" pitchFamily="34" charset="0"/>
+              </a:rPr>
+              <a:t>install npm –g	  </a:t>
+            </a:r>
+            <a:r>
+              <a:rPr lang="en-IN" sz="2000" dirty="0" smtClean="0">
+                <a:solidFill>
+                  <a:schemeClr val="accent5">
+                    <a:lumMod val="75000"/>
+                  </a:schemeClr>
+                </a:solidFill>
+                <a:latin typeface="Segoe UI" panose="020B0502040204020203" pitchFamily="34" charset="0"/>
+                <a:ea typeface="Tahoma" panose="020B0604030504040204" pitchFamily="34" charset="0"/>
+                <a:cs typeface="Segoe UI" panose="020B0502040204020203" pitchFamily="34" charset="0"/>
+              </a:rPr>
+              <a:t>   	 </a:t>
+            </a:r>
+            <a:r>
+              <a:rPr lang="en-IN" sz="1800" dirty="0" smtClean="0">
+                <a:solidFill>
+                  <a:schemeClr val="accent3">
+                    <a:lumMod val="75000"/>
+                  </a:schemeClr>
+                </a:solidFill>
+                <a:latin typeface="Segoe UI" panose="020B0502040204020203" pitchFamily="34" charset="0"/>
+                <a:ea typeface="Tahoma" panose="020B0604030504040204" pitchFamily="34" charset="0"/>
+                <a:cs typeface="Segoe UI" panose="020B0502040204020203" pitchFamily="34" charset="0"/>
+              </a:rPr>
+              <a:t>// </a:t>
+            </a:r>
+            <a:r>
+              <a:rPr lang="en-IN" sz="1800" dirty="0">
+                <a:solidFill>
+                  <a:schemeClr val="accent3">
+                    <a:lumMod val="75000"/>
+                  </a:schemeClr>
+                </a:solidFill>
+                <a:latin typeface="Segoe UI" panose="020B0502040204020203" pitchFamily="34" charset="0"/>
+                <a:ea typeface="Tahoma" panose="020B0604030504040204" pitchFamily="34" charset="0"/>
+                <a:cs typeface="Segoe UI" panose="020B0502040204020203" pitchFamily="34" charset="0"/>
+              </a:rPr>
+              <a:t>install npm</a:t>
+            </a:r>
+            <a:endParaRPr lang="en-IN" sz="2000" dirty="0">
+              <a:solidFill>
+                <a:schemeClr val="accent3">
+                  <a:lumMod val="75000"/>
+                </a:schemeClr>
+              </a:solidFill>
+              <a:latin typeface="Segoe UI" panose="020B0502040204020203" pitchFamily="34" charset="0"/>
+              <a:ea typeface="Tahoma" panose="020B0604030504040204" pitchFamily="34" charset="0"/>
+              <a:cs typeface="Segoe UI" panose="020B0502040204020203" pitchFamily="34" charset="0"/>
+            </a:endParaRPr>
+          </a:p>
+          <a:p>
+            <a:endParaRPr lang="en-IN" sz="2000" dirty="0">
+              <a:solidFill>
+                <a:schemeClr val="accent3">
+                  <a:lumMod val="75000"/>
+                </a:schemeClr>
+              </a:solidFill>
+              <a:latin typeface="Segoe UI" panose="020B0502040204020203" pitchFamily="34" charset="0"/>
+              <a:ea typeface="Tahoma" panose="020B0604030504040204" pitchFamily="34" charset="0"/>
+              <a:cs typeface="Segoe UI" panose="020B0502040204020203" pitchFamily="34" charset="0"/>
+            </a:endParaRPr>
+          </a:p>
+          <a:p>
+            <a:r>
+              <a:rPr lang="en-IN" sz="2000" dirty="0">
+                <a:solidFill>
+                  <a:schemeClr val="accent5">
+                    <a:lumMod val="75000"/>
+                  </a:schemeClr>
+                </a:solidFill>
+                <a:latin typeface="Segoe UI" panose="020B0502040204020203" pitchFamily="34" charset="0"/>
+                <a:ea typeface="Tahoma" panose="020B0604030504040204" pitchFamily="34" charset="0"/>
+                <a:cs typeface="Segoe UI" panose="020B0502040204020203" pitchFamily="34" charset="0"/>
+              </a:rPr>
+              <a:t>C:\&gt; npm install npm@latest </a:t>
+            </a:r>
+            <a:r>
+              <a:rPr lang="en-IN" sz="2000" dirty="0" smtClean="0">
+                <a:solidFill>
+                  <a:schemeClr val="accent5">
+                    <a:lumMod val="75000"/>
+                  </a:schemeClr>
+                </a:solidFill>
+                <a:latin typeface="Segoe UI" panose="020B0502040204020203" pitchFamily="34" charset="0"/>
+                <a:ea typeface="Tahoma" panose="020B0604030504040204" pitchFamily="34" charset="0"/>
+                <a:cs typeface="Segoe UI" panose="020B0502040204020203" pitchFamily="34" charset="0"/>
+              </a:rPr>
+              <a:t>–g </a:t>
+            </a:r>
+            <a:r>
+              <a:rPr lang="en-IN" sz="2000" dirty="0" smtClean="0">
+                <a:solidFill>
+                  <a:schemeClr val="accent5">
+                    <a:lumMod val="75000"/>
+                  </a:schemeClr>
+                </a:solidFill>
+                <a:latin typeface="Segoe UI" panose="020B0502040204020203" pitchFamily="34" charset="0"/>
+                <a:ea typeface="Tahoma" panose="020B0604030504040204" pitchFamily="34" charset="0"/>
+                <a:cs typeface="Segoe UI" panose="020B0502040204020203" pitchFamily="34" charset="0"/>
+              </a:rPr>
+              <a:t>	</a:t>
+            </a:r>
+            <a:r>
+              <a:rPr lang="en-IN" sz="1800" dirty="0" smtClean="0">
+                <a:solidFill>
+                  <a:schemeClr val="accent3">
+                    <a:lumMod val="75000"/>
+                  </a:schemeClr>
+                </a:solidFill>
+                <a:latin typeface="Segoe UI" panose="020B0502040204020203" pitchFamily="34" charset="0"/>
+                <a:ea typeface="Tahoma" panose="020B0604030504040204" pitchFamily="34" charset="0"/>
+                <a:cs typeface="Segoe UI" panose="020B0502040204020203" pitchFamily="34" charset="0"/>
+              </a:rPr>
+              <a:t>// </a:t>
+            </a:r>
+            <a:r>
+              <a:rPr lang="en-IN" sz="1800" dirty="0">
+                <a:solidFill>
+                  <a:schemeClr val="accent3">
+                    <a:lumMod val="75000"/>
+                  </a:schemeClr>
+                </a:solidFill>
+                <a:latin typeface="Segoe UI" panose="020B0502040204020203" pitchFamily="34" charset="0"/>
+                <a:ea typeface="Tahoma" panose="020B0604030504040204" pitchFamily="34" charset="0"/>
+                <a:cs typeface="Segoe UI" panose="020B0502040204020203" pitchFamily="34" charset="0"/>
+              </a:rPr>
+              <a:t>updating </a:t>
+            </a:r>
+            <a:r>
+              <a:rPr lang="en-IN" sz="1800" dirty="0" smtClean="0">
+                <a:solidFill>
+                  <a:schemeClr val="accent3">
+                    <a:lumMod val="75000"/>
+                  </a:schemeClr>
+                </a:solidFill>
+                <a:latin typeface="Segoe UI" panose="020B0502040204020203" pitchFamily="34" charset="0"/>
+                <a:ea typeface="Tahoma" panose="020B0604030504040204" pitchFamily="34" charset="0"/>
+                <a:cs typeface="Segoe UI" panose="020B0502040204020203" pitchFamily="34" charset="0"/>
+              </a:rPr>
+              <a:t>npm</a:t>
+            </a:r>
+          </a:p>
+          <a:p>
+            <a:endParaRPr lang="en-IN" sz="2000" dirty="0">
+              <a:solidFill>
+                <a:schemeClr val="accent3">
+                  <a:lumMod val="75000"/>
+                </a:schemeClr>
+              </a:solidFill>
+              <a:latin typeface="Segoe UI" panose="020B0502040204020203" pitchFamily="34" charset="0"/>
+              <a:ea typeface="Tahoma" panose="020B0604030504040204" pitchFamily="34" charset="0"/>
+              <a:cs typeface="Segoe UI" panose="020B0502040204020203" pitchFamily="34" charset="0"/>
+            </a:endParaRPr>
+          </a:p>
+          <a:p>
+            <a:r>
+              <a:rPr lang="en-IN" sz="2000" dirty="0" smtClean="0">
+                <a:solidFill>
+                  <a:schemeClr val="accent5">
+                    <a:lumMod val="75000"/>
+                  </a:schemeClr>
+                </a:solidFill>
+                <a:latin typeface="Segoe UI" panose="020B0502040204020203" pitchFamily="34" charset="0"/>
+                <a:ea typeface="Tahoma" panose="020B0604030504040204" pitchFamily="34" charset="0"/>
+                <a:cs typeface="Segoe UI" panose="020B0502040204020203" pitchFamily="34" charset="0"/>
+              </a:rPr>
+              <a:t>C:\&gt; </a:t>
+            </a:r>
+            <a:r>
+              <a:rPr lang="en-IN" sz="2000" dirty="0">
+                <a:solidFill>
+                  <a:schemeClr val="accent5">
+                    <a:lumMod val="75000"/>
+                  </a:schemeClr>
+                </a:solidFill>
+                <a:latin typeface="Segoe UI" panose="020B0502040204020203" pitchFamily="34" charset="0"/>
+                <a:ea typeface="Tahoma" panose="020B0604030504040204" pitchFamily="34" charset="0"/>
+                <a:cs typeface="Segoe UI" panose="020B0502040204020203" pitchFamily="34" charset="0"/>
+              </a:rPr>
+              <a:t>npm init		   </a:t>
+            </a:r>
+            <a:r>
+              <a:rPr lang="en-IN" sz="2000" dirty="0" smtClean="0">
+                <a:solidFill>
+                  <a:schemeClr val="accent5">
+                    <a:lumMod val="75000"/>
+                  </a:schemeClr>
+                </a:solidFill>
+                <a:latin typeface="Segoe UI" panose="020B0502040204020203" pitchFamily="34" charset="0"/>
+                <a:ea typeface="Tahoma" panose="020B0604030504040204" pitchFamily="34" charset="0"/>
+                <a:cs typeface="Segoe UI" panose="020B0502040204020203" pitchFamily="34" charset="0"/>
+              </a:rPr>
+              <a:t>         	</a:t>
+            </a:r>
+            <a:r>
+              <a:rPr lang="en-IN" sz="1800" dirty="0" smtClean="0">
+                <a:solidFill>
+                  <a:schemeClr val="accent3">
+                    <a:lumMod val="75000"/>
+                  </a:schemeClr>
+                </a:solidFill>
+                <a:latin typeface="Segoe UI" panose="020B0502040204020203" pitchFamily="34" charset="0"/>
+                <a:ea typeface="Tahoma" panose="020B0604030504040204" pitchFamily="34" charset="0"/>
+                <a:cs typeface="Segoe UI" panose="020B0502040204020203" pitchFamily="34" charset="0"/>
+              </a:rPr>
+              <a:t>// </a:t>
+            </a:r>
+            <a:r>
+              <a:rPr lang="en-IN" sz="1800" dirty="0">
+                <a:solidFill>
+                  <a:schemeClr val="accent3">
+                    <a:lumMod val="75000"/>
+                  </a:schemeClr>
+                </a:solidFill>
+                <a:latin typeface="Segoe UI" panose="020B0502040204020203" pitchFamily="34" charset="0"/>
+                <a:ea typeface="Tahoma" panose="020B0604030504040204" pitchFamily="34" charset="0"/>
+                <a:cs typeface="Segoe UI" panose="020B0502040204020203" pitchFamily="34" charset="0"/>
+              </a:rPr>
+              <a:t>create a </a:t>
+            </a:r>
+            <a:r>
+              <a:rPr lang="en-IN" sz="1800" dirty="0" smtClean="0">
+                <a:solidFill>
+                  <a:schemeClr val="accent3">
+                    <a:lumMod val="75000"/>
+                  </a:schemeClr>
+                </a:solidFill>
+                <a:latin typeface="Segoe UI" panose="020B0502040204020203" pitchFamily="34" charset="0"/>
+                <a:ea typeface="Tahoma" panose="020B0604030504040204" pitchFamily="34" charset="0"/>
+                <a:cs typeface="Segoe UI" panose="020B0502040204020203" pitchFamily="34" charset="0"/>
+              </a:rPr>
+              <a:t>package.json</a:t>
+            </a:r>
+          </a:p>
+          <a:p>
+            <a:endParaRPr lang="en-IN" sz="1800" dirty="0">
+              <a:solidFill>
+                <a:schemeClr val="accent3">
+                  <a:lumMod val="75000"/>
+                </a:schemeClr>
+              </a:solidFill>
+              <a:latin typeface="Segoe UI" panose="020B0502040204020203" pitchFamily="34" charset="0"/>
+              <a:ea typeface="Tahoma" panose="020B0604030504040204" pitchFamily="34" charset="0"/>
+              <a:cs typeface="Segoe UI" panose="020B0502040204020203" pitchFamily="34" charset="0"/>
+            </a:endParaRPr>
+          </a:p>
+          <a:p>
+            <a:r>
+              <a:rPr lang="en-IN" sz="2000" dirty="0">
+                <a:solidFill>
+                  <a:schemeClr val="accent5">
+                    <a:lumMod val="75000"/>
+                  </a:schemeClr>
+                </a:solidFill>
+                <a:latin typeface="Segoe UI" panose="020B0502040204020203" pitchFamily="34" charset="0"/>
+                <a:ea typeface="Tahoma" panose="020B0604030504040204" pitchFamily="34" charset="0"/>
+                <a:cs typeface="Segoe UI" panose="020B0502040204020203" pitchFamily="34" charset="0"/>
+              </a:rPr>
+              <a:t>C:\&gt; </a:t>
+            </a:r>
+            <a:r>
+              <a:rPr lang="en-IN" sz="2000" dirty="0" smtClean="0">
+                <a:solidFill>
+                  <a:schemeClr val="accent5">
+                    <a:lumMod val="75000"/>
+                  </a:schemeClr>
+                </a:solidFill>
+                <a:latin typeface="Segoe UI" panose="020B0502040204020203" pitchFamily="34" charset="0"/>
+                <a:ea typeface="Tahoma" panose="020B0604030504040204" pitchFamily="34" charset="0"/>
+                <a:cs typeface="Segoe UI" panose="020B0502040204020203" pitchFamily="34" charset="0"/>
+              </a:rPr>
+              <a:t>tsc --init        		</a:t>
+            </a:r>
+            <a:r>
+              <a:rPr lang="en-IN" sz="2000" dirty="0" smtClean="0">
+                <a:solidFill>
+                  <a:schemeClr val="accent3">
+                    <a:lumMod val="75000"/>
+                  </a:schemeClr>
+                </a:solidFill>
+                <a:latin typeface="Segoe UI" panose="020B0502040204020203" pitchFamily="34" charset="0"/>
+                <a:ea typeface="Tahoma" panose="020B0604030504040204" pitchFamily="34" charset="0"/>
+                <a:cs typeface="Segoe UI" panose="020B0502040204020203" pitchFamily="34" charset="0"/>
+              </a:rPr>
+              <a:t>// </a:t>
+            </a:r>
+            <a:r>
+              <a:rPr lang="en-IN" sz="2000" dirty="0">
+                <a:solidFill>
+                  <a:schemeClr val="accent3">
+                    <a:lumMod val="75000"/>
+                  </a:schemeClr>
+                </a:solidFill>
+                <a:latin typeface="Segoe UI" panose="020B0502040204020203" pitchFamily="34" charset="0"/>
+                <a:ea typeface="Tahoma" panose="020B0604030504040204" pitchFamily="34" charset="0"/>
+                <a:cs typeface="Segoe UI" panose="020B0502040204020203" pitchFamily="34" charset="0"/>
+              </a:rPr>
+              <a:t>create a tsconfig.json</a:t>
+            </a:r>
+          </a:p>
           <a:p>
             <a:endParaRPr lang="en-IN" sz="2000" dirty="0" smtClean="0">
               <a:solidFill>
@@ -7785,37 +8073,37 @@
                   <a:lumMod val="75000"/>
                 </a:schemeClr>
               </a:solidFill>
-              <a:latin typeface="Consolas" panose="020B0609020204030204" pitchFamily="49" charset="0"/>
+              <a:latin typeface="Segoe UI" panose="020B0502040204020203" pitchFamily="34" charset="0"/>
               <a:ea typeface="Tahoma" panose="020B0604030504040204" pitchFamily="34" charset="0"/>
-              <a:cs typeface="Consolas" panose="020B0609020204030204" pitchFamily="49" charset="0"/>
+              <a:cs typeface="Segoe UI" panose="020B0502040204020203" pitchFamily="34" charset="0"/>
             </a:endParaRPr>
           </a:p>
           <a:p>
             <a:r>
-              <a:rPr lang="en-IN" sz="2000" dirty="0">
+              <a:rPr lang="en-IN" sz="2000" dirty="0" smtClean="0">
                 <a:solidFill>
                   <a:schemeClr val="accent5">
                     <a:lumMod val="75000"/>
                   </a:schemeClr>
                 </a:solidFill>
-                <a:latin typeface="Consolas" panose="020B0609020204030204" pitchFamily="49" charset="0"/>
+                <a:latin typeface="Segoe UI" panose="020B0502040204020203" pitchFamily="34" charset="0"/>
                 <a:ea typeface="Tahoma" panose="020B0604030504040204" pitchFamily="34" charset="0"/>
-                <a:cs typeface="Consolas" panose="020B0609020204030204" pitchFamily="49" charset="0"/>
-              </a:rPr>
-              <a:t>C:\&gt; npm </a:t>
-            </a:r>
-            <a:r>
-              <a:rPr lang="en-IN" sz="2000" dirty="0" smtClean="0">
+                <a:cs typeface="Segoe UI" panose="020B0502040204020203" pitchFamily="34" charset="0"/>
+              </a:rPr>
+              <a:t>C:\ npm </a:t>
+            </a:r>
+            <a:r>
+              <a:rPr lang="en-IN" sz="2000" dirty="0">
                 <a:solidFill>
                   <a:schemeClr val="accent5">
                     <a:lumMod val="75000"/>
                   </a:schemeClr>
                 </a:solidFill>
-                <a:latin typeface="Consolas" panose="020B0609020204030204" pitchFamily="49" charset="0"/>
+                <a:latin typeface="Segoe UI" panose="020B0502040204020203" pitchFamily="34" charset="0"/>
                 <a:ea typeface="Tahoma" panose="020B0604030504040204" pitchFamily="34" charset="0"/>
-                <a:cs typeface="Consolas" panose="020B0609020204030204" pitchFamily="49" charset="0"/>
-              </a:rPr>
-              <a:t>install npm –g	      </a:t>
+                <a:cs typeface="Segoe UI" panose="020B0502040204020203" pitchFamily="34" charset="0"/>
+              </a:rPr>
+              <a:t>i @</a:t>
             </a:r>
             <a:r>
               <a:rPr lang="en-IN" sz="2000" dirty="0" smtClean="0">
@@ -7824,263 +8112,60 @@
                     <a:lumMod val="75000"/>
                   </a:schemeClr>
                 </a:solidFill>
-                <a:latin typeface="Consolas" panose="020B0609020204030204" pitchFamily="49" charset="0"/>
+                <a:latin typeface="Segoe UI" panose="020B0502040204020203" pitchFamily="34" charset="0"/>
                 <a:ea typeface="Tahoma" panose="020B0604030504040204" pitchFamily="34" charset="0"/>
-                <a:cs typeface="Consolas" panose="020B0609020204030204" pitchFamily="49" charset="0"/>
-              </a:rPr>
-              <a:t>	 </a:t>
-            </a:r>
-            <a:r>
-              <a:rPr lang="en-IN" sz="1800" dirty="0" smtClean="0">
+                <a:cs typeface="Segoe UI" panose="020B0502040204020203" pitchFamily="34" charset="0"/>
+              </a:rPr>
+              <a:t>types/node   	</a:t>
+            </a:r>
+            <a:r>
+              <a:rPr lang="en-IN" sz="2000" dirty="0" smtClean="0">
                 <a:solidFill>
                   <a:schemeClr val="accent3">
                     <a:lumMod val="75000"/>
                   </a:schemeClr>
                 </a:solidFill>
-                <a:latin typeface="Consolas" panose="020B0609020204030204" pitchFamily="49" charset="0"/>
+                <a:latin typeface="Segoe UI" panose="020B0502040204020203" pitchFamily="34" charset="0"/>
                 <a:ea typeface="Tahoma" panose="020B0604030504040204" pitchFamily="34" charset="0"/>
-                <a:cs typeface="Consolas" panose="020B0609020204030204" pitchFamily="49" charset="0"/>
-              </a:rPr>
-              <a:t>// </a:t>
-            </a:r>
-            <a:r>
-              <a:rPr lang="en-IN" sz="1800" dirty="0">
+                <a:cs typeface="Segoe UI" panose="020B0502040204020203" pitchFamily="34" charset="0"/>
+              </a:rPr>
+              <a:t>// to use </a:t>
+            </a:r>
+            <a:r>
+              <a:rPr lang="en-US" sz="1800" dirty="0">
                 <a:solidFill>
                   <a:schemeClr val="accent3">
                     <a:lumMod val="75000"/>
                   </a:schemeClr>
                 </a:solidFill>
-                <a:latin typeface="Consolas" panose="020B0609020204030204" pitchFamily="49" charset="0"/>
+                <a:latin typeface="Segoe UI" panose="020B0502040204020203" pitchFamily="34" charset="0"/>
                 <a:ea typeface="Tahoma" panose="020B0604030504040204" pitchFamily="34" charset="0"/>
-                <a:cs typeface="Consolas" panose="020B0609020204030204" pitchFamily="49" charset="0"/>
-              </a:rPr>
-              <a:t>install npm</a:t>
-            </a:r>
-            <a:endParaRPr lang="en-IN" sz="2000" dirty="0">
+                <a:cs typeface="Segoe UI" panose="020B0502040204020203" pitchFamily="34" charset="0"/>
+              </a:rPr>
+              <a:t>module.exports = </a:t>
+            </a:r>
+            <a:r>
+              <a:rPr lang="en-US" sz="1800" dirty="0" smtClean="0">
+                <a:solidFill>
+                  <a:schemeClr val="accent3">
+                    <a:lumMod val="75000"/>
+                  </a:schemeClr>
+                </a:solidFill>
+                <a:latin typeface="Segoe UI" panose="020B0502040204020203" pitchFamily="34" charset="0"/>
+                <a:ea typeface="Tahoma" panose="020B0604030504040204" pitchFamily="34" charset="0"/>
+                <a:cs typeface="Segoe UI" panose="020B0502040204020203" pitchFamily="34" charset="0"/>
+              </a:rPr>
+              <a:t>{} in .ts file</a:t>
+            </a:r>
+            <a:endParaRPr lang="en-US" sz="1800" dirty="0">
               <a:solidFill>
                 <a:schemeClr val="accent3">
                   <a:lumMod val="75000"/>
                 </a:schemeClr>
               </a:solidFill>
-              <a:latin typeface="Consolas" panose="020B0609020204030204" pitchFamily="49" charset="0"/>
+              <a:latin typeface="Segoe UI" panose="020B0502040204020203" pitchFamily="34" charset="0"/>
               <a:ea typeface="Tahoma" panose="020B0604030504040204" pitchFamily="34" charset="0"/>
-              <a:cs typeface="Consolas" panose="020B0609020204030204" pitchFamily="49" charset="0"/>
-            </a:endParaRPr>
-          </a:p>
-          <a:p>
-            <a:endParaRPr lang="en-IN" sz="2000" dirty="0">
-              <a:solidFill>
-                <a:schemeClr val="accent3">
-                  <a:lumMod val="75000"/>
-                </a:schemeClr>
-              </a:solidFill>
-              <a:latin typeface="Consolas" panose="020B0609020204030204" pitchFamily="49" charset="0"/>
-              <a:ea typeface="Tahoma" panose="020B0604030504040204" pitchFamily="34" charset="0"/>
-              <a:cs typeface="Consolas" panose="020B0609020204030204" pitchFamily="49" charset="0"/>
-            </a:endParaRPr>
-          </a:p>
-          <a:p>
-            <a:r>
-              <a:rPr lang="en-IN" sz="2000" dirty="0">
-                <a:solidFill>
-                  <a:schemeClr val="accent5">
-                    <a:lumMod val="75000"/>
-                  </a:schemeClr>
-                </a:solidFill>
-                <a:latin typeface="Consolas" panose="020B0609020204030204" pitchFamily="49" charset="0"/>
-                <a:ea typeface="Tahoma" panose="020B0604030504040204" pitchFamily="34" charset="0"/>
-                <a:cs typeface="Consolas" panose="020B0609020204030204" pitchFamily="49" charset="0"/>
-              </a:rPr>
-              <a:t>C:\&gt; npm </a:t>
-            </a:r>
-            <a:r>
-              <a:rPr lang="en-IN" sz="2000" dirty="0">
-                <a:solidFill>
-                  <a:schemeClr val="accent5">
-                    <a:lumMod val="75000"/>
-                  </a:schemeClr>
-                </a:solidFill>
-                <a:latin typeface="Consolas" panose="020B0609020204030204" pitchFamily="49" charset="0"/>
-                <a:ea typeface="Tahoma" panose="020B0604030504040204" pitchFamily="34" charset="0"/>
-                <a:cs typeface="Consolas" panose="020B0609020204030204" pitchFamily="49" charset="0"/>
-              </a:rPr>
-              <a:t>install npm@latest </a:t>
-            </a:r>
-            <a:r>
-              <a:rPr lang="en-IN" sz="2000" dirty="0" smtClean="0">
-                <a:solidFill>
-                  <a:schemeClr val="accent5">
-                    <a:lumMod val="75000"/>
-                  </a:schemeClr>
-                </a:solidFill>
-                <a:latin typeface="Consolas" panose="020B0609020204030204" pitchFamily="49" charset="0"/>
-                <a:ea typeface="Tahoma" panose="020B0604030504040204" pitchFamily="34" charset="0"/>
-                <a:cs typeface="Consolas" panose="020B0609020204030204" pitchFamily="49" charset="0"/>
-              </a:rPr>
-              <a:t>–g  </a:t>
-            </a:r>
-            <a:r>
-              <a:rPr lang="en-IN" sz="2000" dirty="0" smtClean="0">
-                <a:solidFill>
-                  <a:schemeClr val="accent5">
-                    <a:lumMod val="75000"/>
-                  </a:schemeClr>
-                </a:solidFill>
-                <a:latin typeface="Consolas" panose="020B0609020204030204" pitchFamily="49" charset="0"/>
-                <a:ea typeface="Tahoma" panose="020B0604030504040204" pitchFamily="34" charset="0"/>
-                <a:cs typeface="Consolas" panose="020B0609020204030204" pitchFamily="49" charset="0"/>
-              </a:rPr>
-              <a:t> </a:t>
-            </a:r>
-            <a:r>
-              <a:rPr lang="en-IN" sz="1800" dirty="0" smtClean="0">
-                <a:solidFill>
-                  <a:schemeClr val="accent3">
-                    <a:lumMod val="75000"/>
-                  </a:schemeClr>
-                </a:solidFill>
-                <a:latin typeface="Consolas" panose="020B0609020204030204" pitchFamily="49" charset="0"/>
-                <a:ea typeface="Tahoma" panose="020B0604030504040204" pitchFamily="34" charset="0"/>
-                <a:cs typeface="Consolas" panose="020B0609020204030204" pitchFamily="49" charset="0"/>
-              </a:rPr>
-              <a:t>// </a:t>
-            </a:r>
-            <a:r>
-              <a:rPr lang="en-IN" sz="1800" dirty="0">
-                <a:solidFill>
-                  <a:schemeClr val="accent3">
-                    <a:lumMod val="75000"/>
-                  </a:schemeClr>
-                </a:solidFill>
-                <a:latin typeface="Consolas" panose="020B0609020204030204" pitchFamily="49" charset="0"/>
-                <a:ea typeface="Tahoma" panose="020B0604030504040204" pitchFamily="34" charset="0"/>
-                <a:cs typeface="Consolas" panose="020B0609020204030204" pitchFamily="49" charset="0"/>
-              </a:rPr>
-              <a:t>updating </a:t>
-            </a:r>
-            <a:r>
-              <a:rPr lang="en-IN" sz="1800" dirty="0" smtClean="0">
-                <a:solidFill>
-                  <a:schemeClr val="accent3">
-                    <a:lumMod val="75000"/>
-                  </a:schemeClr>
-                </a:solidFill>
-                <a:latin typeface="Consolas" panose="020B0609020204030204" pitchFamily="49" charset="0"/>
-                <a:ea typeface="Tahoma" panose="020B0604030504040204" pitchFamily="34" charset="0"/>
-                <a:cs typeface="Consolas" panose="020B0609020204030204" pitchFamily="49" charset="0"/>
-              </a:rPr>
-              <a:t>npm</a:t>
-            </a:r>
-            <a:endParaRPr lang="en-IN" sz="1800" dirty="0" smtClean="0">
-              <a:solidFill>
-                <a:schemeClr val="accent3">
-                  <a:lumMod val="75000"/>
-                </a:schemeClr>
-              </a:solidFill>
-              <a:latin typeface="Consolas" panose="020B0609020204030204" pitchFamily="49" charset="0"/>
-              <a:ea typeface="Tahoma" panose="020B0604030504040204" pitchFamily="34" charset="0"/>
-              <a:cs typeface="Consolas" panose="020B0609020204030204" pitchFamily="49" charset="0"/>
-            </a:endParaRPr>
-          </a:p>
-          <a:p>
-            <a:endParaRPr lang="en-IN" sz="2000" dirty="0">
-              <a:solidFill>
-                <a:schemeClr val="accent3">
-                  <a:lumMod val="75000"/>
-                </a:schemeClr>
-              </a:solidFill>
-              <a:latin typeface="Consolas" panose="020B0609020204030204" pitchFamily="49" charset="0"/>
-              <a:ea typeface="Tahoma" panose="020B0604030504040204" pitchFamily="34" charset="0"/>
-              <a:cs typeface="Consolas" panose="020B0609020204030204" pitchFamily="49" charset="0"/>
-            </a:endParaRPr>
-          </a:p>
-          <a:p>
-            <a:r>
-              <a:rPr lang="en-IN" sz="2000" dirty="0">
-                <a:solidFill>
-                  <a:schemeClr val="accent5">
-                    <a:lumMod val="75000"/>
-                  </a:schemeClr>
-                </a:solidFill>
-                <a:latin typeface="Consolas" panose="020B0609020204030204" pitchFamily="49" charset="0"/>
-                <a:ea typeface="Tahoma" panose="020B0604030504040204" pitchFamily="34" charset="0"/>
-                <a:cs typeface="Consolas" panose="020B0609020204030204" pitchFamily="49" charset="0"/>
-              </a:rPr>
-              <a:t>C:\&gt; npm </a:t>
-            </a:r>
-            <a:r>
-              <a:rPr lang="en-IN" sz="2000" dirty="0">
-                <a:solidFill>
-                  <a:schemeClr val="accent5">
-                    <a:lumMod val="75000"/>
-                  </a:schemeClr>
-                </a:solidFill>
-                <a:latin typeface="Consolas" panose="020B0609020204030204" pitchFamily="49" charset="0"/>
-                <a:ea typeface="Tahoma" panose="020B0604030504040204" pitchFamily="34" charset="0"/>
-                <a:cs typeface="Consolas" panose="020B0609020204030204" pitchFamily="49" charset="0"/>
-              </a:rPr>
-              <a:t>init		     </a:t>
-            </a:r>
-            <a:r>
-              <a:rPr lang="en-IN" sz="2000" dirty="0" smtClean="0">
-                <a:solidFill>
-                  <a:schemeClr val="accent5">
-                    <a:lumMod val="75000"/>
-                  </a:schemeClr>
-                </a:solidFill>
-                <a:latin typeface="Consolas" panose="020B0609020204030204" pitchFamily="49" charset="0"/>
-                <a:ea typeface="Tahoma" panose="020B0604030504040204" pitchFamily="34" charset="0"/>
-                <a:cs typeface="Consolas" panose="020B0609020204030204" pitchFamily="49" charset="0"/>
-              </a:rPr>
-              <a:t>        </a:t>
-            </a:r>
-            <a:r>
-              <a:rPr lang="en-IN" sz="1800" dirty="0" smtClean="0">
-                <a:solidFill>
-                  <a:schemeClr val="accent3">
-                    <a:lumMod val="75000"/>
-                  </a:schemeClr>
-                </a:solidFill>
-                <a:latin typeface="Consolas" panose="020B0609020204030204" pitchFamily="49" charset="0"/>
-                <a:ea typeface="Tahoma" panose="020B0604030504040204" pitchFamily="34" charset="0"/>
-                <a:cs typeface="Consolas" panose="020B0609020204030204" pitchFamily="49" charset="0"/>
-              </a:rPr>
-              <a:t>// </a:t>
-            </a:r>
-            <a:r>
-              <a:rPr lang="en-IN" sz="1800" dirty="0">
-                <a:solidFill>
-                  <a:schemeClr val="accent3">
-                    <a:lumMod val="75000"/>
-                  </a:schemeClr>
-                </a:solidFill>
-                <a:latin typeface="Consolas" panose="020B0609020204030204" pitchFamily="49" charset="0"/>
-                <a:ea typeface="Tahoma" panose="020B0604030504040204" pitchFamily="34" charset="0"/>
-                <a:cs typeface="Consolas" panose="020B0609020204030204" pitchFamily="49" charset="0"/>
-              </a:rPr>
-              <a:t>create a package.json</a:t>
-            </a:r>
-            <a:endParaRPr lang="en-IN" sz="2000" dirty="0">
-              <a:solidFill>
-                <a:schemeClr val="accent3">
-                  <a:lumMod val="75000"/>
-                </a:schemeClr>
-              </a:solidFill>
-              <a:latin typeface="Consolas" panose="020B0609020204030204" pitchFamily="49" charset="0"/>
-              <a:ea typeface="Tahoma" panose="020B0604030504040204" pitchFamily="34" charset="0"/>
-              <a:cs typeface="Consolas" panose="020B0609020204030204" pitchFamily="49" charset="0"/>
-            </a:endParaRPr>
-          </a:p>
-          <a:p>
-            <a:endParaRPr lang="en-IN" sz="2000" dirty="0">
-              <a:solidFill>
-                <a:schemeClr val="accent5">
-                  <a:lumMod val="75000"/>
-                </a:schemeClr>
-              </a:solidFill>
-              <a:latin typeface="Consolas" panose="020B0609020204030204" pitchFamily="49" charset="0"/>
-              <a:ea typeface="Tahoma" panose="020B0604030504040204" pitchFamily="34" charset="0"/>
-              <a:cs typeface="Consolas" panose="020B0609020204030204" pitchFamily="49" charset="0"/>
+              <a:cs typeface="Segoe UI" panose="020B0502040204020203" pitchFamily="34" charset="0"/>
             </a:endParaRPr>
           </a:p>
         </p:txBody>
@@ -9066,20 +9151,7 @@
                 <a:ea typeface="Tahoma" panose="020B0604030504040204" pitchFamily="34" charset="0"/>
                 <a:cs typeface="Consolas" panose="020B0609020204030204" pitchFamily="49" charset="0"/>
               </a:rPr>
-              <a:t>C:\&gt; npm </a:t>
-            </a:r>
-            <a:r>
-              <a:rPr lang="en-IN" sz="2000" dirty="0">
-                <a:solidFill>
-                  <a:schemeClr val="accent5">
-                    <a:lumMod val="75000"/>
-                  </a:schemeClr>
-                </a:solidFill>
-                <a:latin typeface="Consolas" panose="020B0609020204030204" pitchFamily="49" charset="0"/>
-                <a:ea typeface="Tahoma" panose="020B0604030504040204" pitchFamily="34" charset="0"/>
-                <a:cs typeface="Consolas" panose="020B0609020204030204" pitchFamily="49" charset="0"/>
-              </a:rPr>
-              <a:t>install mongodb </a:t>
+              <a:t>C:\&gt; npm install mongodb </a:t>
             </a:r>
             <a:r>
               <a:rPr lang="en-IN" sz="2000" dirty="0" smtClean="0">
@@ -9157,20 +9229,7 @@
                 <a:ea typeface="Tahoma" panose="020B0604030504040204" pitchFamily="34" charset="0"/>
                 <a:cs typeface="Consolas" panose="020B0609020204030204" pitchFamily="49" charset="0"/>
               </a:rPr>
-              <a:t>install mysql </a:t>
-            </a:r>
-            <a:r>
-              <a:rPr lang="en-IN" sz="2000" dirty="0" smtClean="0">
-                <a:solidFill>
-                  <a:schemeClr val="accent5">
-                    <a:lumMod val="75000"/>
-                  </a:schemeClr>
-                </a:solidFill>
-                <a:latin typeface="Consolas" panose="020B0609020204030204" pitchFamily="49" charset="0"/>
-                <a:ea typeface="Tahoma" panose="020B0604030504040204" pitchFamily="34" charset="0"/>
-                <a:cs typeface="Consolas" panose="020B0609020204030204" pitchFamily="49" charset="0"/>
-              </a:rPr>
-              <a:t>–save	</a:t>
+              <a:t>install mysql –save	</a:t>
             </a:r>
             <a:r>
               <a:rPr lang="en-IN" sz="2000" dirty="0">
